--- a/Calendario2023/presentaciones/22_Matrices.pptx
+++ b/Calendario2023/presentaciones/22_Matrices.pptx
@@ -227,7 +227,7 @@
           <a:p>
             <a:fld id="{9CE7A054-6D4F-4ED4-B3E7-62AC408CF793}" type="datetimeFigureOut">
               <a:rPr lang="es-MX" smtClean="0"/>
-              <a:t>08/09/2022</a:t>
+              <a:t>15/03/2023</a:t>
             </a:fld>
             <a:endParaRPr lang="es-MX"/>
           </a:p>
@@ -1600,7 +1600,7 @@
           <a:p>
             <a:fld id="{05B1B184-8162-40A9-BCCC-182276235E4C}" type="datetimeFigureOut">
               <a:rPr lang="es-MX" smtClean="0"/>
-              <a:t>08/09/2022</a:t>
+              <a:t>15/03/2023</a:t>
             </a:fld>
             <a:endParaRPr lang="es-MX"/>
           </a:p>
@@ -1770,7 +1770,7 @@
           <a:p>
             <a:fld id="{05B1B184-8162-40A9-BCCC-182276235E4C}" type="datetimeFigureOut">
               <a:rPr lang="es-MX" smtClean="0"/>
-              <a:t>08/09/2022</a:t>
+              <a:t>15/03/2023</a:t>
             </a:fld>
             <a:endParaRPr lang="es-MX"/>
           </a:p>
@@ -1950,7 +1950,7 @@
           <a:p>
             <a:fld id="{05B1B184-8162-40A9-BCCC-182276235E4C}" type="datetimeFigureOut">
               <a:rPr lang="es-MX" smtClean="0"/>
-              <a:t>08/09/2022</a:t>
+              <a:t>15/03/2023</a:t>
             </a:fld>
             <a:endParaRPr lang="es-MX"/>
           </a:p>
@@ -2103,7 +2103,7 @@
           <a:p>
             <a:fld id="{1D8BD707-D9CF-40AE-B4C6-C98DA3205C09}" type="datetimeFigureOut">
               <a:rPr lang="en-US" smtClean="0"/>
-              <a:t>9/8/2022</a:t>
+              <a:t>3/15/2023</a:t>
             </a:fld>
             <a:endParaRPr lang="en-US"/>
           </a:p>
@@ -2263,7 +2263,7 @@
           <a:p>
             <a:fld id="{05B1B184-8162-40A9-BCCC-182276235E4C}" type="datetimeFigureOut">
               <a:rPr lang="es-MX" smtClean="0"/>
-              <a:t>08/09/2022</a:t>
+              <a:t>15/03/2023</a:t>
             </a:fld>
             <a:endParaRPr lang="es-MX"/>
           </a:p>
@@ -2509,7 +2509,7 @@
           <a:p>
             <a:fld id="{05B1B184-8162-40A9-BCCC-182276235E4C}" type="datetimeFigureOut">
               <a:rPr lang="es-MX" smtClean="0"/>
-              <a:t>08/09/2022</a:t>
+              <a:t>15/03/2023</a:t>
             </a:fld>
             <a:endParaRPr lang="es-MX"/>
           </a:p>
@@ -2797,7 +2797,7 @@
           <a:p>
             <a:fld id="{05B1B184-8162-40A9-BCCC-182276235E4C}" type="datetimeFigureOut">
               <a:rPr lang="es-MX" smtClean="0"/>
-              <a:t>08/09/2022</a:t>
+              <a:t>15/03/2023</a:t>
             </a:fld>
             <a:endParaRPr lang="es-MX"/>
           </a:p>
@@ -3219,7 +3219,7 @@
           <a:p>
             <a:fld id="{05B1B184-8162-40A9-BCCC-182276235E4C}" type="datetimeFigureOut">
               <a:rPr lang="es-MX" smtClean="0"/>
-              <a:t>08/09/2022</a:t>
+              <a:t>15/03/2023</a:t>
             </a:fld>
             <a:endParaRPr lang="es-MX"/>
           </a:p>
@@ -3337,7 +3337,7 @@
           <a:p>
             <a:fld id="{05B1B184-8162-40A9-BCCC-182276235E4C}" type="datetimeFigureOut">
               <a:rPr lang="es-MX" smtClean="0"/>
-              <a:t>08/09/2022</a:t>
+              <a:t>15/03/2023</a:t>
             </a:fld>
             <a:endParaRPr lang="es-MX"/>
           </a:p>
@@ -3432,7 +3432,7 @@
           <a:p>
             <a:fld id="{05B1B184-8162-40A9-BCCC-182276235E4C}" type="datetimeFigureOut">
               <a:rPr lang="es-MX" smtClean="0"/>
-              <a:t>08/09/2022</a:t>
+              <a:t>15/03/2023</a:t>
             </a:fld>
             <a:endParaRPr lang="es-MX"/>
           </a:p>
@@ -3709,7 +3709,7 @@
           <a:p>
             <a:fld id="{05B1B184-8162-40A9-BCCC-182276235E4C}" type="datetimeFigureOut">
               <a:rPr lang="es-MX" smtClean="0"/>
-              <a:t>08/09/2022</a:t>
+              <a:t>15/03/2023</a:t>
             </a:fld>
             <a:endParaRPr lang="es-MX"/>
           </a:p>
@@ -3962,7 +3962,7 @@
           <a:p>
             <a:fld id="{05B1B184-8162-40A9-BCCC-182276235E4C}" type="datetimeFigureOut">
               <a:rPr lang="es-MX" smtClean="0"/>
-              <a:t>08/09/2022</a:t>
+              <a:t>15/03/2023</a:t>
             </a:fld>
             <a:endParaRPr lang="es-MX"/>
           </a:p>
@@ -4175,7 +4175,7 @@
           <a:p>
             <a:fld id="{05B1B184-8162-40A9-BCCC-182276235E4C}" type="datetimeFigureOut">
               <a:rPr lang="es-MX" smtClean="0"/>
-              <a:t>08/09/2022</a:t>
+              <a:t>15/03/2023</a:t>
             </a:fld>
             <a:endParaRPr lang="es-MX"/>
           </a:p>
@@ -6119,7 +6119,7 @@
           </a:bodyPr>
           <a:lstStyle/>
           <a:p>
-            <a:pPr algn="l" rtl="0">
+            <a:pPr algn="just" rtl="0">
               <a:lnSpc>
                 <a:spcPct val="150000"/>
               </a:lnSpc>
@@ -9557,7 +9557,7 @@
                   <a:srgbClr val="FF3300"/>
                 </a:solidFill>
               </a:rPr>
-              <a:t>modifica_matriz</a:t>
+              <a:t>llena_matriz</a:t>
             </a:r>
             <a:r>
               <a:rPr lang="es-ES_tradnl" sz="2400" dirty="0"/>
@@ -12740,10 +12740,10 @@
       </p:pic>
       <p:pic>
         <p:nvPicPr>
-          <p:cNvPr id="3" name="Imagen 2">
+          <p:cNvPr id="6" name="Imagen 5">
             <a:extLst>
               <a:ext uri="{FF2B5EF4-FFF2-40B4-BE49-F238E27FC236}">
-                <a16:creationId xmlns:a16="http://schemas.microsoft.com/office/drawing/2014/main" id="{532CA08B-4DDD-4FD5-936D-7CF10535CA2C}"/>
+                <a16:creationId xmlns:a16="http://schemas.microsoft.com/office/drawing/2014/main" id="{FD03391B-C6AF-EF7E-7D67-A331AF68104A}"/>
               </a:ext>
             </a:extLst>
           </p:cNvPr>
@@ -12760,8 +12760,8 @@
         </p:blipFill>
         <p:spPr>
           <a:xfrm>
-            <a:off x="1043608" y="1988840"/>
-            <a:ext cx="6746809" cy="2206663"/>
+            <a:off x="1213030" y="1988840"/>
+            <a:ext cx="6717939" cy="1990006"/>
           </a:xfrm>
           <a:prstGeom prst="rect">
             <a:avLst/>
@@ -13407,10 +13407,10 @@
       </p:pic>
       <p:pic>
         <p:nvPicPr>
-          <p:cNvPr id="4" name="Imagen 3">
+          <p:cNvPr id="3" name="Imagen 2">
             <a:extLst>
               <a:ext uri="{FF2B5EF4-FFF2-40B4-BE49-F238E27FC236}">
-                <a16:creationId xmlns:a16="http://schemas.microsoft.com/office/drawing/2014/main" id="{73D935A8-0FC5-4724-9D7C-2C12B32EE362}"/>
+                <a16:creationId xmlns:a16="http://schemas.microsoft.com/office/drawing/2014/main" id="{755FB17D-BF88-C516-94F3-4A9D397948BF}"/>
               </a:ext>
             </a:extLst>
           </p:cNvPr>
@@ -13427,8 +13427,8 @@
         </p:blipFill>
         <p:spPr>
           <a:xfrm>
-            <a:off x="715430" y="1340768"/>
-            <a:ext cx="4648658" cy="5198966"/>
+            <a:off x="1259632" y="1582062"/>
+            <a:ext cx="4068742" cy="4068742"/>
           </a:xfrm>
           <a:prstGeom prst="rect">
             <a:avLst/>
@@ -13437,10 +13437,10 @@
       </p:pic>
       <p:pic>
         <p:nvPicPr>
-          <p:cNvPr id="8" name="Imagen 7">
+          <p:cNvPr id="7" name="Imagen 6">
             <a:extLst>
               <a:ext uri="{FF2B5EF4-FFF2-40B4-BE49-F238E27FC236}">
-                <a16:creationId xmlns:a16="http://schemas.microsoft.com/office/drawing/2014/main" id="{0A0570D0-B382-494A-9EB0-DC3F4A26B62C}"/>
+                <a16:creationId xmlns:a16="http://schemas.microsoft.com/office/drawing/2014/main" id="{C694B1A2-D5A4-4257-8D47-78A012431437}"/>
               </a:ext>
             </a:extLst>
           </p:cNvPr>
@@ -13457,8 +13457,8 @@
         </p:blipFill>
         <p:spPr>
           <a:xfrm>
-            <a:off x="5969669" y="1124744"/>
-            <a:ext cx="1381125" cy="3028950"/>
+            <a:off x="6066656" y="1605155"/>
+            <a:ext cx="1152525" cy="2400300"/>
           </a:xfrm>
           <a:prstGeom prst="rect">
             <a:avLst/>
@@ -19861,7 +19861,7 @@
                 </a:effectLst>
                 <a:latin typeface="Dom Casual"/>
               </a:rPr>
-              <a:t>Matrices o listas anidadas</a:t>
+              <a:t>Matrices</a:t>
             </a:r>
           </a:p>
         </p:txBody>
@@ -20296,7 +20296,7 @@
                 </a:effectLst>
                 <a:latin typeface="Dom Casual"/>
               </a:rPr>
-              <a:t>Matrices o listas anidadas</a:t>
+              <a:t>Matrices</a:t>
             </a:r>
           </a:p>
         </p:txBody>
@@ -21937,7 +21937,7 @@
         </p:nvSpPr>
         <p:spPr>
           <a:xfrm>
-            <a:off x="282352" y="-17738"/>
+            <a:off x="282352" y="238336"/>
             <a:ext cx="8579296" cy="1143000"/>
           </a:xfrm>
         </p:spPr>
@@ -21983,8 +21983,8 @@
         </p:nvSpPr>
         <p:spPr>
           <a:xfrm>
-            <a:off x="1331640" y="1772816"/>
-            <a:ext cx="6696744" cy="3276282"/>
+            <a:off x="1331640" y="1556792"/>
+            <a:ext cx="6696744" cy="4199611"/>
           </a:xfrm>
           <a:prstGeom prst="rect">
             <a:avLst/>
@@ -22011,7 +22011,7 @@
                   </a:schemeClr>
                 </a:solidFill>
               </a:rPr>
-              <a:t>Las operaciones aritméticas de </a:t>
+              <a:t>Algunas operaciones aritméticas de </a:t>
             </a:r>
             <a:r>
               <a:rPr lang="es-ES" sz="2000" dirty="0" err="1">
@@ -22033,14 +22033,16 @@
                   </a:schemeClr>
                 </a:solidFill>
               </a:rPr>
-              <a:t>:</a:t>
-            </a:r>
-          </a:p>
-          <a:p>
-            <a:pPr>
+              <a:t> son:</a:t>
+            </a:r>
+          </a:p>
+          <a:p>
+            <a:pPr marL="342900" indent="-342900">
               <a:lnSpc>
                 <a:spcPct val="150000"/>
               </a:lnSpc>
+              <a:buFont typeface="Arial" panose="020B0604020202020204" pitchFamily="34" charset="0"/>
+              <a:buChar char="•"/>
             </a:pPr>
             <a:r>
               <a:rPr lang="es-ES" sz="2000" b="1" dirty="0">
@@ -22055,10 +22057,12 @@
             </a:r>
           </a:p>
           <a:p>
-            <a:pPr>
+            <a:pPr marL="342900" indent="-342900">
               <a:lnSpc>
                 <a:spcPct val="150000"/>
               </a:lnSpc>
+              <a:buFont typeface="Arial" panose="020B0604020202020204" pitchFamily="34" charset="0"/>
+              <a:buChar char="•"/>
             </a:pPr>
             <a:r>
               <a:rPr lang="es-ES" sz="2000" b="1" dirty="0">
@@ -22073,10 +22077,12 @@
             </a:r>
           </a:p>
           <a:p>
-            <a:pPr>
+            <a:pPr marL="342900" indent="-342900">
               <a:lnSpc>
                 <a:spcPct val="150000"/>
               </a:lnSpc>
+              <a:buFont typeface="Arial" panose="020B0604020202020204" pitchFamily="34" charset="0"/>
+              <a:buChar char="•"/>
             </a:pPr>
             <a:r>
               <a:rPr lang="es-ES" sz="2000" b="1" dirty="0">
@@ -22091,10 +22097,12 @@
             </a:r>
           </a:p>
           <a:p>
-            <a:pPr>
+            <a:pPr marL="342900" indent="-342900">
               <a:lnSpc>
                 <a:spcPct val="150000"/>
               </a:lnSpc>
+              <a:buFont typeface="Arial" panose="020B0604020202020204" pitchFamily="34" charset="0"/>
+              <a:buChar char="•"/>
             </a:pPr>
             <a:r>
               <a:rPr lang="es-ES" sz="2000" b="1" dirty="0">
@@ -22109,10 +22117,12 @@
             </a:r>
           </a:p>
           <a:p>
-            <a:pPr>
+            <a:pPr marL="342900" indent="-342900">
               <a:lnSpc>
                 <a:spcPct val="150000"/>
               </a:lnSpc>
+              <a:buFont typeface="Arial" panose="020B0604020202020204" pitchFamily="34" charset="0"/>
+              <a:buChar char="•"/>
             </a:pPr>
             <a:r>
               <a:rPr lang="es-ES" sz="2000" b="1" dirty="0">
@@ -22123,14 +22133,16 @@
                   </a:schemeClr>
                 </a:solidFill>
               </a:rPr>
-              <a:t>Recíproco</a:t>
-            </a:r>
-          </a:p>
-          <a:p>
-            <a:pPr>
+              <a:t>Potencia</a:t>
+            </a:r>
+          </a:p>
+          <a:p>
+            <a:pPr marL="342900" indent="-342900">
               <a:lnSpc>
                 <a:spcPct val="150000"/>
               </a:lnSpc>
+              <a:buFont typeface="Arial" panose="020B0604020202020204" pitchFamily="34" charset="0"/>
+              <a:buChar char="•"/>
             </a:pPr>
             <a:r>
               <a:rPr lang="es-ES" sz="2000" b="1" dirty="0">
@@ -22141,11 +22153,81 @@
                   </a:schemeClr>
                 </a:solidFill>
               </a:rPr>
-              <a:t>Potencia</a:t>
+              <a:t>Sumar un valor a toda la matriz</a:t>
+            </a:r>
+          </a:p>
+          <a:p>
+            <a:pPr marL="342900" indent="-342900">
+              <a:lnSpc>
+                <a:spcPct val="150000"/>
+              </a:lnSpc>
+              <a:buFont typeface="Arial" panose="020B0604020202020204" pitchFamily="34" charset="0"/>
+              <a:buChar char="•"/>
+            </a:pPr>
+            <a:r>
+              <a:rPr lang="es-ES" sz="2000" b="1" dirty="0">
+                <a:solidFill>
+                  <a:schemeClr val="tx1">
+                    <a:lumMod val="95000"/>
+                    <a:lumOff val="5000"/>
+                  </a:schemeClr>
+                </a:solidFill>
+              </a:rPr>
+              <a:t>Restar un valor a toda la matriz</a:t>
+            </a:r>
+          </a:p>
+          <a:p>
+            <a:pPr marL="342900" indent="-342900">
+              <a:lnSpc>
+                <a:spcPct val="150000"/>
+              </a:lnSpc>
+              <a:buFont typeface="Arial" panose="020B0604020202020204" pitchFamily="34" charset="0"/>
+              <a:buChar char="•"/>
+            </a:pPr>
+            <a:r>
+              <a:rPr lang="es-ES" sz="2000" b="1" dirty="0">
+                <a:solidFill>
+                  <a:schemeClr val="tx1">
+                    <a:lumMod val="95000"/>
+                    <a:lumOff val="5000"/>
+                  </a:schemeClr>
+                </a:solidFill>
+              </a:rPr>
+              <a:t>Elevar cada elemento de la matriz a un número</a:t>
             </a:r>
           </a:p>
         </p:txBody>
       </p:sp>
+      <p:pic>
+        <p:nvPicPr>
+          <p:cNvPr id="2" name="Imagen 1">
+            <a:extLst>
+              <a:ext uri="{FF2B5EF4-FFF2-40B4-BE49-F238E27FC236}">
+                <a16:creationId xmlns:a16="http://schemas.microsoft.com/office/drawing/2014/main" id="{D4ABBF77-B078-22FE-EFD9-378098134C25}"/>
+              </a:ext>
+            </a:extLst>
+          </p:cNvPr>
+          <p:cNvPicPr>
+            <a:picLocks noChangeAspect="1"/>
+          </p:cNvPicPr>
+          <p:nvPr/>
+        </p:nvPicPr>
+        <p:blipFill>
+          <a:blip r:embed="rId3"/>
+          <a:stretch>
+            <a:fillRect/>
+          </a:stretch>
+        </p:blipFill>
+        <p:spPr>
+          <a:xfrm>
+            <a:off x="4067944" y="2348880"/>
+            <a:ext cx="4320480" cy="1643731"/>
+          </a:xfrm>
+          <a:prstGeom prst="rect">
+            <a:avLst/>
+          </a:prstGeom>
+        </p:spPr>
+      </p:pic>
     </p:spTree>
     <p:extLst>
       <p:ext uri="{BB962C8B-B14F-4D97-AF65-F5344CB8AC3E}">
@@ -22188,7 +22270,7 @@
         </p:nvSpPr>
         <p:spPr>
           <a:xfrm>
-            <a:off x="282352" y="-17738"/>
+            <a:off x="179512" y="548680"/>
             <a:ext cx="8579296" cy="1143000"/>
           </a:xfrm>
         </p:spPr>
@@ -22202,7 +22284,7 @@
               <a:defRPr/>
             </a:pPr>
             <a:r>
-              <a:rPr lang="es-MX" b="1">
+              <a:rPr lang="es-MX" b="1" dirty="0">
                 <a:solidFill>
                   <a:schemeClr val="accent4">
                     <a:lumMod val="50000"/>
@@ -22217,19 +22299,6 @@
               </a:rPr>
               <a:t>Resumen de operaciones aritméticas</a:t>
             </a:r>
-            <a:endParaRPr lang="es-MX" b="1" dirty="0">
-              <a:solidFill>
-                <a:schemeClr val="accent4">
-                  <a:lumMod val="50000"/>
-                </a:schemeClr>
-              </a:solidFill>
-              <a:effectLst>
-                <a:outerShdw blurRad="38100" dist="38100" dir="2700000" algn="tl">
-                  <a:srgbClr val="C0C0C0"/>
-                </a:outerShdw>
-              </a:effectLst>
-              <a:latin typeface="Dom Casual" charset="0"/>
-            </a:endParaRPr>
           </a:p>
         </p:txBody>
       </p:sp>
@@ -22248,35 +22317,35 @@
           <p:nvPr>
             <p:extLst>
               <p:ext uri="{D42A27DB-BD31-4B8C-83A1-F6EECF244321}">
-                <p14:modId xmlns:p14="http://schemas.microsoft.com/office/powerpoint/2010/main" val="2723038700"/>
+                <p14:modId xmlns:p14="http://schemas.microsoft.com/office/powerpoint/2010/main" val="1054435246"/>
               </p:ext>
             </p:extLst>
           </p:nvPr>
         </p:nvGraphicFramePr>
         <p:xfrm>
-          <a:off x="457200" y="2591152"/>
-          <a:ext cx="8229600" cy="2926080"/>
+          <a:off x="755576" y="2058679"/>
+          <a:ext cx="7056783" cy="2194560"/>
         </p:xfrm>
         <a:graphic>
           <a:graphicData uri="http://schemas.openxmlformats.org/drawingml/2006/table">
             <a:tbl>
               <a:tblPr/>
               <a:tblGrid>
-                <a:gridCol w="2743200">
+                <a:gridCol w="2352261">
                   <a:extLst>
                     <a:ext uri="{9D8B030D-6E8A-4147-A177-3AD203B41FA5}">
                       <a16:colId xmlns:a16="http://schemas.microsoft.com/office/drawing/2014/main" val="1716184664"/>
                     </a:ext>
                   </a:extLst>
                 </a:gridCol>
-                <a:gridCol w="2743200">
+                <a:gridCol w="2352261">
                   <a:extLst>
                     <a:ext uri="{9D8B030D-6E8A-4147-A177-3AD203B41FA5}">
                       <a16:colId xmlns:a16="http://schemas.microsoft.com/office/drawing/2014/main" val="383890695"/>
                     </a:ext>
                   </a:extLst>
                 </a:gridCol>
-                <a:gridCol w="2743200">
+                <a:gridCol w="2352261">
                   <a:extLst>
                     <a:ext uri="{9D8B030D-6E8A-4147-A177-3AD203B41FA5}">
                       <a16:colId xmlns:a16="http://schemas.microsoft.com/office/drawing/2014/main" val="3957524911"/>
@@ -22290,7 +22359,7 @@
                     <a:bodyPr/>
                     <a:lstStyle/>
                     <a:p>
-                      <a:pPr fontAlgn="ctr"/>
+                      <a:pPr algn="ctr" fontAlgn="ctr"/>
                       <a:r>
                         <a:rPr lang="es-MX" b="1" dirty="0">
                           <a:solidFill>
@@ -22327,7 +22396,7 @@
                     <a:bodyPr/>
                     <a:lstStyle/>
                     <a:p>
-                      <a:pPr fontAlgn="ctr"/>
+                      <a:pPr algn="ctr" fontAlgn="ctr"/>
                       <a:r>
                         <a:rPr lang="es-MX" b="1" dirty="0">
                           <a:solidFill>
@@ -22364,7 +22433,7 @@
                     <a:bodyPr/>
                     <a:lstStyle/>
                     <a:p>
-                      <a:pPr fontAlgn="ctr"/>
+                      <a:pPr algn="ctr" fontAlgn="ctr"/>
                       <a:r>
                         <a:rPr lang="es-MX" b="1" dirty="0">
                           <a:solidFill>
@@ -22408,9 +22477,9 @@
                     <a:bodyPr/>
                     <a:lstStyle/>
                     <a:p>
-                      <a:pPr fontAlgn="ctr"/>
+                      <a:pPr algn="ctr" fontAlgn="ctr"/>
                       <a:r>
-                        <a:rPr lang="es-MX">
+                        <a:rPr lang="es-MX" dirty="0">
                           <a:effectLst/>
                         </a:rPr>
                         <a:t>suma</a:t>
@@ -22440,9 +22509,9 @@
                     <a:bodyPr/>
                     <a:lstStyle/>
                     <a:p>
-                      <a:pPr fontAlgn="ctr"/>
+                      <a:pPr algn="ctr" fontAlgn="ctr"/>
                       <a:r>
-                        <a:rPr lang="es-MX">
+                        <a:rPr lang="es-MX" dirty="0">
                           <a:effectLst/>
                         </a:rPr>
                         <a:t>x + y</a:t>
@@ -22472,12 +22541,18 @@
                     <a:bodyPr/>
                     <a:lstStyle/>
                     <a:p>
-                      <a:pPr fontAlgn="ctr"/>
+                      <a:pPr algn="ctr" fontAlgn="ctr"/>
                       <a:r>
-                        <a:rPr lang="es-MX">
+                        <a:rPr lang="es-MX" dirty="0" err="1">
                           <a:effectLst/>
                         </a:rPr>
-                        <a:t>np.sum(x, y)</a:t>
+                        <a:t>np.sum</a:t>
+                      </a:r>
+                      <a:r>
+                        <a:rPr lang="es-MX" dirty="0">
+                          <a:effectLst/>
+                        </a:rPr>
+                        <a:t>(x, y)</a:t>
                       </a:r>
                     </a:p>
                   </a:txBody>
@@ -22511,9 +22586,9 @@
                     <a:bodyPr/>
                     <a:lstStyle/>
                     <a:p>
-                      <a:pPr fontAlgn="ctr"/>
+                      <a:pPr algn="ctr" fontAlgn="ctr"/>
                       <a:r>
-                        <a:rPr lang="es-MX">
+                        <a:rPr lang="es-MX" dirty="0">
                           <a:effectLst/>
                         </a:rPr>
                         <a:t>resta</a:t>
@@ -22543,9 +22618,9 @@
                     <a:bodyPr/>
                     <a:lstStyle/>
                     <a:p>
-                      <a:pPr fontAlgn="ctr"/>
+                      <a:pPr algn="ctr" fontAlgn="ctr"/>
                       <a:r>
-                        <a:rPr lang="es-MX">
+                        <a:rPr lang="es-MX" dirty="0">
                           <a:effectLst/>
                         </a:rPr>
                         <a:t>x - y</a:t>
@@ -22575,12 +22650,18 @@
                     <a:bodyPr/>
                     <a:lstStyle/>
                     <a:p>
-                      <a:pPr fontAlgn="ctr"/>
+                      <a:pPr algn="ctr" fontAlgn="ctr"/>
                       <a:r>
-                        <a:rPr lang="es-MX">
+                        <a:rPr lang="es-MX" dirty="0" err="1">
                           <a:effectLst/>
                         </a:rPr>
-                        <a:t>np.subtract(x, y)</a:t>
+                        <a:t>np.subtract</a:t>
+                      </a:r>
+                      <a:r>
+                        <a:rPr lang="es-MX" dirty="0">
+                          <a:effectLst/>
+                        </a:rPr>
+                        <a:t>(x, y)</a:t>
                       </a:r>
                     </a:p>
                   </a:txBody>
@@ -22614,9 +22695,9 @@
                     <a:bodyPr/>
                     <a:lstStyle/>
                     <a:p>
-                      <a:pPr fontAlgn="ctr"/>
+                      <a:pPr algn="ctr" fontAlgn="ctr"/>
                       <a:r>
-                        <a:rPr lang="es-MX">
+                        <a:rPr lang="es-MX" dirty="0">
                           <a:effectLst/>
                         </a:rPr>
                         <a:t>multiplicación</a:t>
@@ -22646,9 +22727,9 @@
                     <a:bodyPr/>
                     <a:lstStyle/>
                     <a:p>
-                      <a:pPr fontAlgn="ctr"/>
+                      <a:pPr algn="ctr" fontAlgn="ctr"/>
                       <a:r>
-                        <a:rPr lang="es-MX">
+                        <a:rPr lang="es-MX" dirty="0">
                           <a:effectLst/>
                         </a:rPr>
                         <a:t>x * y</a:t>
@@ -22678,12 +22759,18 @@
                     <a:bodyPr/>
                     <a:lstStyle/>
                     <a:p>
-                      <a:pPr fontAlgn="ctr"/>
+                      <a:pPr algn="ctr" fontAlgn="ctr"/>
                       <a:r>
-                        <a:rPr lang="es-MX">
+                        <a:rPr lang="es-MX" dirty="0" err="1">
                           <a:effectLst/>
                         </a:rPr>
-                        <a:t>np.multiply(x, y)</a:t>
+                        <a:t>np.multiply</a:t>
+                      </a:r>
+                      <a:r>
+                        <a:rPr lang="es-MX" dirty="0">
+                          <a:effectLst/>
+                        </a:rPr>
+                        <a:t>(x, y)</a:t>
                       </a:r>
                     </a:p>
                   </a:txBody>
@@ -22717,112 +22804,9 @@
                     <a:bodyPr/>
                     <a:lstStyle/>
                     <a:p>
-                      <a:pPr fontAlgn="ctr"/>
+                      <a:pPr algn="ctr" fontAlgn="ctr"/>
                       <a:r>
-                        <a:rPr lang="es-MX">
-                          <a:effectLst/>
-                        </a:rPr>
-                        <a:t>mult. matricial</a:t>
-                      </a:r>
-                    </a:p>
-                  </a:txBody>
-                  <a:tcPr anchor="ctr">
-                    <a:lnL>
-                      <a:noFill/>
-                    </a:lnL>
-                    <a:lnR>
-                      <a:noFill/>
-                    </a:lnR>
-                    <a:lnT>
-                      <a:noFill/>
-                    </a:lnT>
-                    <a:lnB>
-                      <a:noFill/>
-                    </a:lnB>
-                    <a:solidFill>
-                      <a:srgbClr val="FFFFFF"/>
-                    </a:solidFill>
-                  </a:tcPr>
-                </a:tc>
-                <a:tc>
-                  <a:txBody>
-                    <a:bodyPr/>
-                    <a:lstStyle/>
-                    <a:p>
-                      <a:pPr fontAlgn="ctr"/>
-                      <a:r>
-                        <a:rPr lang="es-MX">
-                          <a:effectLst/>
-                        </a:rPr>
-                        <a:t>x @ y</a:t>
-                      </a:r>
-                    </a:p>
-                  </a:txBody>
-                  <a:tcPr anchor="ctr">
-                    <a:lnL>
-                      <a:noFill/>
-                    </a:lnL>
-                    <a:lnR>
-                      <a:noFill/>
-                    </a:lnR>
-                    <a:lnT>
-                      <a:noFill/>
-                    </a:lnT>
-                    <a:lnB>
-                      <a:noFill/>
-                    </a:lnB>
-                    <a:solidFill>
-                      <a:srgbClr val="FFFFFF"/>
-                    </a:solidFill>
-                  </a:tcPr>
-                </a:tc>
-                <a:tc>
-                  <a:txBody>
-                    <a:bodyPr/>
-                    <a:lstStyle/>
-                    <a:p>
-                      <a:pPr fontAlgn="ctr"/>
-                      <a:r>
-                        <a:rPr lang="es-MX">
-                          <a:effectLst/>
-                        </a:rPr>
-                        <a:t>np.matmul(x, y)</a:t>
-                      </a:r>
-                    </a:p>
-                  </a:txBody>
-                  <a:tcPr anchor="ctr">
-                    <a:lnL>
-                      <a:noFill/>
-                    </a:lnL>
-                    <a:lnR>
-                      <a:noFill/>
-                    </a:lnR>
-                    <a:lnT>
-                      <a:noFill/>
-                    </a:lnT>
-                    <a:lnB>
-                      <a:noFill/>
-                    </a:lnB>
-                    <a:solidFill>
-                      <a:srgbClr val="FFFFFF"/>
-                    </a:solidFill>
-                  </a:tcPr>
-                </a:tc>
-                <a:extLst>
-                  <a:ext uri="{0D108BD9-81ED-4DB2-BD59-A6C34878D82A}">
-                    <a16:rowId xmlns:a16="http://schemas.microsoft.com/office/drawing/2014/main" val="2280189511"/>
-                  </a:ext>
-                </a:extLst>
-              </a:tr>
-              <a:tr h="0">
-                <a:tc>
-                  <a:txBody>
-                    <a:bodyPr/>
-                    <a:lstStyle/>
-                    <a:p>
-                      <a:pPr fontAlgn="ctr"/>
-                      <a:r>
-                        <a:rPr lang="es-MX">
+                        <a:rPr lang="es-MX" dirty="0">
                           <a:effectLst/>
                         </a:rPr>
                         <a:t>división</a:t>
@@ -22852,9 +22836,9 @@
                     <a:bodyPr/>
                     <a:lstStyle/>
                     <a:p>
-                      <a:pPr fontAlgn="ctr"/>
+                      <a:pPr algn="ctr" fontAlgn="ctr"/>
                       <a:r>
-                        <a:rPr lang="es-MX">
+                        <a:rPr lang="es-MX" dirty="0">
                           <a:effectLst/>
                         </a:rPr>
                         <a:t>x / y</a:t>
@@ -22884,12 +22868,18 @@
                     <a:bodyPr/>
                     <a:lstStyle/>
                     <a:p>
-                      <a:pPr fontAlgn="ctr"/>
+                      <a:pPr algn="ctr" fontAlgn="ctr"/>
                       <a:r>
-                        <a:rPr lang="es-MX">
+                        <a:rPr lang="es-MX" dirty="0" err="1">
                           <a:effectLst/>
                         </a:rPr>
-                        <a:t>np.divide(x, y)</a:t>
+                        <a:t>np.divide</a:t>
+                      </a:r>
+                      <a:r>
+                        <a:rPr lang="es-MX" dirty="0">
+                          <a:effectLst/>
+                        </a:rPr>
+                        <a:t>(x, y)</a:t>
                       </a:r>
                     </a:p>
                   </a:txBody>
@@ -22923,12 +22913,12 @@
                     <a:bodyPr/>
                     <a:lstStyle/>
                     <a:p>
-                      <a:pPr fontAlgn="ctr"/>
+                      <a:pPr algn="ctr" fontAlgn="ctr"/>
                       <a:r>
-                        <a:rPr lang="es-MX">
+                        <a:rPr lang="es-MX" dirty="0">
                           <a:effectLst/>
                         </a:rPr>
-                        <a:t>recíproco</a:t>
+                        <a:t>potencia</a:t>
                       </a:r>
                     </a:p>
                   </a:txBody>
@@ -22955,112 +22945,9 @@
                     <a:bodyPr/>
                     <a:lstStyle/>
                     <a:p>
-                      <a:pPr fontAlgn="ctr"/>
+                      <a:pPr algn="ctr" fontAlgn="ctr"/>
                       <a:r>
-                        <a:rPr lang="es-MX">
-                          <a:effectLst/>
-                        </a:rPr>
-                        <a:t>1 / x</a:t>
-                      </a:r>
-                    </a:p>
-                  </a:txBody>
-                  <a:tcPr anchor="ctr">
-                    <a:lnL>
-                      <a:noFill/>
-                    </a:lnL>
-                    <a:lnR>
-                      <a:noFill/>
-                    </a:lnR>
-                    <a:lnT>
-                      <a:noFill/>
-                    </a:lnT>
-                    <a:lnB>
-                      <a:noFill/>
-                    </a:lnB>
-                    <a:solidFill>
-                      <a:srgbClr val="FFFFFF"/>
-                    </a:solidFill>
-                  </a:tcPr>
-                </a:tc>
-                <a:tc>
-                  <a:txBody>
-                    <a:bodyPr/>
-                    <a:lstStyle/>
-                    <a:p>
-                      <a:pPr fontAlgn="ctr"/>
-                      <a:r>
-                        <a:rPr lang="es-MX">
-                          <a:effectLst/>
-                        </a:rPr>
-                        <a:t>np.reciprocal(x, y)</a:t>
-                      </a:r>
-                    </a:p>
-                  </a:txBody>
-                  <a:tcPr anchor="ctr">
-                    <a:lnL>
-                      <a:noFill/>
-                    </a:lnL>
-                    <a:lnR>
-                      <a:noFill/>
-                    </a:lnR>
-                    <a:lnT>
-                      <a:noFill/>
-                    </a:lnT>
-                    <a:lnB>
-                      <a:noFill/>
-                    </a:lnB>
-                    <a:solidFill>
-                      <a:srgbClr val="FFFFFF"/>
-                    </a:solidFill>
-                  </a:tcPr>
-                </a:tc>
-                <a:extLst>
-                  <a:ext uri="{0D108BD9-81ED-4DB2-BD59-A6C34878D82A}">
-                    <a16:rowId xmlns:a16="http://schemas.microsoft.com/office/drawing/2014/main" val="2278234161"/>
-                  </a:ext>
-                </a:extLst>
-              </a:tr>
-              <a:tr h="0">
-                <a:tc>
-                  <a:txBody>
-                    <a:bodyPr/>
-                    <a:lstStyle/>
-                    <a:p>
-                      <a:pPr fontAlgn="ctr"/>
-                      <a:r>
-                        <a:rPr lang="es-MX">
-                          <a:effectLst/>
-                        </a:rPr>
-                        <a:t>potencias</a:t>
-                      </a:r>
-                    </a:p>
-                  </a:txBody>
-                  <a:tcPr anchor="ctr">
-                    <a:lnL>
-                      <a:noFill/>
-                    </a:lnL>
-                    <a:lnR>
-                      <a:noFill/>
-                    </a:lnR>
-                    <a:lnT>
-                      <a:noFill/>
-                    </a:lnT>
-                    <a:lnB>
-                      <a:noFill/>
-                    </a:lnB>
-                    <a:solidFill>
-                      <a:srgbClr val="FFFFFF"/>
-                    </a:solidFill>
-                  </a:tcPr>
-                </a:tc>
-                <a:tc>
-                  <a:txBody>
-                    <a:bodyPr/>
-                    <a:lstStyle/>
-                    <a:p>
-                      <a:pPr fontAlgn="ctr"/>
-                      <a:r>
-                        <a:rPr lang="es-MX">
+                        <a:rPr lang="es-MX" dirty="0">
                           <a:effectLst/>
                         </a:rPr>
                         <a:t>x ** y</a:t>
@@ -23090,7 +22977,7 @@
                     <a:bodyPr/>
                     <a:lstStyle/>
                     <a:p>
-                      <a:pPr fontAlgn="ctr"/>
+                      <a:pPr algn="ctr" fontAlgn="ctr"/>
                       <a:r>
                         <a:rPr lang="es-MX" dirty="0" err="1">
                           <a:effectLst/>
@@ -23133,240 +23020,36 @@
           </a:graphicData>
         </a:graphic>
       </p:graphicFrame>
-      <p:sp>
-        <p:nvSpPr>
-          <p:cNvPr id="3" name="Rectangle 1">
+      <p:pic>
+        <p:nvPicPr>
+          <p:cNvPr id="7" name="Imagen 6">
             <a:extLst>
               <a:ext uri="{FF2B5EF4-FFF2-40B4-BE49-F238E27FC236}">
-                <a16:creationId xmlns:a16="http://schemas.microsoft.com/office/drawing/2014/main" id="{A2D988C1-FC88-4B87-873B-C4150A311CDD}"/>
+                <a16:creationId xmlns:a16="http://schemas.microsoft.com/office/drawing/2014/main" id="{E27C9DA3-683F-7F7F-DB53-0E5161A9403F}"/>
               </a:ext>
             </a:extLst>
           </p:cNvPr>
-          <p:cNvSpPr>
-            <a:spLocks noChangeArrowheads="1"/>
-          </p:cNvSpPr>
+          <p:cNvPicPr>
+            <a:picLocks noChangeAspect="1"/>
+          </p:cNvPicPr>
           <p:nvPr/>
-        </p:nvSpPr>
-        <p:spPr bwMode="auto">
+        </p:nvPicPr>
+        <p:blipFill>
+          <a:blip r:embed="rId3"/>
+          <a:stretch>
+            <a:fillRect/>
+          </a:stretch>
+        </p:blipFill>
+        <p:spPr>
           <a:xfrm>
-            <a:off x="547089" y="1340768"/>
-            <a:ext cx="7841335" cy="880369"/>
+            <a:off x="3779912" y="4694288"/>
+            <a:ext cx="4320480" cy="1643731"/>
           </a:xfrm>
           <a:prstGeom prst="rect">
             <a:avLst/>
           </a:prstGeom>
-          <a:noFill/>
-          <a:ln>
-            <a:noFill/>
-          </a:ln>
-          <a:effectLst/>
-          <a:extLst>
-            <a:ext uri="{909E8E84-426E-40DD-AFC4-6F175D3DCCD1}">
-              <a14:hiddenFill xmlns:a14="http://schemas.microsoft.com/office/drawing/2010/main">
-                <a:solidFill>
-                  <a:schemeClr val="accent1"/>
-                </a:solidFill>
-              </a14:hiddenFill>
-            </a:ext>
-            <a:ext uri="{91240B29-F687-4F45-9708-019B960494DF}">
-              <a14:hiddenLine xmlns:a14="http://schemas.microsoft.com/office/drawing/2010/main" w="9525">
-                <a:solidFill>
-                  <a:schemeClr val="tx1"/>
-                </a:solidFill>
-                <a:miter lim="800000"/>
-                <a:headEnd/>
-                <a:tailEnd/>
-              </a14:hiddenLine>
-            </a:ext>
-            <a:ext uri="{AF507438-7753-43E0-B8FC-AC1667EBCBE1}">
-              <a14:hiddenEffects xmlns:a14="http://schemas.microsoft.com/office/drawing/2010/main">
-                <a:effectLst>
-                  <a:outerShdw dist="35921" dir="2700000" algn="ctr" rotWithShape="0">
-                    <a:schemeClr val="bg2"/>
-                  </a:outerShdw>
-                </a:effectLst>
-              </a14:hiddenEffects>
-            </a:ext>
-          </a:extLst>
         </p:spPr>
-        <p:txBody>
-          <a:bodyPr vert="horz" wrap="square" lIns="91440" tIns="45720" rIns="91440" bIns="45720" numCol="1" anchor="ctr" anchorCtr="0" compatLnSpc="1">
-            <a:prstTxWarp prst="textNoShape">
-              <a:avLst/>
-            </a:prstTxWarp>
-            <a:spAutoFit/>
-          </a:bodyPr>
-          <a:lstStyle>
-            <a:lvl1pPr eaLnBrk="0" fontAlgn="base" hangingPunct="0">
-              <a:spcBef>
-                <a:spcPct val="0"/>
-              </a:spcBef>
-              <a:spcAft>
-                <a:spcPct val="0"/>
-              </a:spcAft>
-              <a:defRPr>
-                <a:solidFill>
-                  <a:schemeClr val="tx1"/>
-                </a:solidFill>
-                <a:latin typeface="Arial" panose="020B0604020202020204" pitchFamily="34" charset="0"/>
-              </a:defRPr>
-            </a:lvl1pPr>
-            <a:lvl2pPr eaLnBrk="0" fontAlgn="base" hangingPunct="0">
-              <a:spcBef>
-                <a:spcPct val="0"/>
-              </a:spcBef>
-              <a:spcAft>
-                <a:spcPct val="0"/>
-              </a:spcAft>
-              <a:defRPr>
-                <a:solidFill>
-                  <a:schemeClr val="tx1"/>
-                </a:solidFill>
-                <a:latin typeface="Arial" panose="020B0604020202020204" pitchFamily="34" charset="0"/>
-              </a:defRPr>
-            </a:lvl2pPr>
-            <a:lvl3pPr eaLnBrk="0" fontAlgn="base" hangingPunct="0">
-              <a:spcBef>
-                <a:spcPct val="0"/>
-              </a:spcBef>
-              <a:spcAft>
-                <a:spcPct val="0"/>
-              </a:spcAft>
-              <a:defRPr>
-                <a:solidFill>
-                  <a:schemeClr val="tx1"/>
-                </a:solidFill>
-                <a:latin typeface="Arial" panose="020B0604020202020204" pitchFamily="34" charset="0"/>
-              </a:defRPr>
-            </a:lvl3pPr>
-            <a:lvl4pPr eaLnBrk="0" fontAlgn="base" hangingPunct="0">
-              <a:spcBef>
-                <a:spcPct val="0"/>
-              </a:spcBef>
-              <a:spcAft>
-                <a:spcPct val="0"/>
-              </a:spcAft>
-              <a:defRPr>
-                <a:solidFill>
-                  <a:schemeClr val="tx1"/>
-                </a:solidFill>
-                <a:latin typeface="Arial" panose="020B0604020202020204" pitchFamily="34" charset="0"/>
-              </a:defRPr>
-            </a:lvl4pPr>
-            <a:lvl5pPr eaLnBrk="0" fontAlgn="base" hangingPunct="0">
-              <a:spcBef>
-                <a:spcPct val="0"/>
-              </a:spcBef>
-              <a:spcAft>
-                <a:spcPct val="0"/>
-              </a:spcAft>
-              <a:defRPr>
-                <a:solidFill>
-                  <a:schemeClr val="tx1"/>
-                </a:solidFill>
-                <a:latin typeface="Arial" panose="020B0604020202020204" pitchFamily="34" charset="0"/>
-              </a:defRPr>
-            </a:lvl5pPr>
-            <a:lvl6pPr eaLnBrk="0" fontAlgn="base" hangingPunct="0">
-              <a:spcBef>
-                <a:spcPct val="0"/>
-              </a:spcBef>
-              <a:spcAft>
-                <a:spcPct val="0"/>
-              </a:spcAft>
-              <a:defRPr>
-                <a:solidFill>
-                  <a:schemeClr val="tx1"/>
-                </a:solidFill>
-                <a:latin typeface="Arial" panose="020B0604020202020204" pitchFamily="34" charset="0"/>
-              </a:defRPr>
-            </a:lvl6pPr>
-            <a:lvl7pPr eaLnBrk="0" fontAlgn="base" hangingPunct="0">
-              <a:spcBef>
-                <a:spcPct val="0"/>
-              </a:spcBef>
-              <a:spcAft>
-                <a:spcPct val="0"/>
-              </a:spcAft>
-              <a:defRPr>
-                <a:solidFill>
-                  <a:schemeClr val="tx1"/>
-                </a:solidFill>
-                <a:latin typeface="Arial" panose="020B0604020202020204" pitchFamily="34" charset="0"/>
-              </a:defRPr>
-            </a:lvl7pPr>
-            <a:lvl8pPr eaLnBrk="0" fontAlgn="base" hangingPunct="0">
-              <a:spcBef>
-                <a:spcPct val="0"/>
-              </a:spcBef>
-              <a:spcAft>
-                <a:spcPct val="0"/>
-              </a:spcAft>
-              <a:defRPr>
-                <a:solidFill>
-                  <a:schemeClr val="tx1"/>
-                </a:solidFill>
-                <a:latin typeface="Arial" panose="020B0604020202020204" pitchFamily="34" charset="0"/>
-              </a:defRPr>
-            </a:lvl8pPr>
-            <a:lvl9pPr eaLnBrk="0" fontAlgn="base" hangingPunct="0">
-              <a:spcBef>
-                <a:spcPct val="0"/>
-              </a:spcBef>
-              <a:spcAft>
-                <a:spcPct val="0"/>
-              </a:spcAft>
-              <a:defRPr>
-                <a:solidFill>
-                  <a:schemeClr val="tx1"/>
-                </a:solidFill>
-                <a:latin typeface="Arial" panose="020B0604020202020204" pitchFamily="34" charset="0"/>
-              </a:defRPr>
-            </a:lvl9pPr>
-          </a:lstStyle>
-          <a:p>
-            <a:pPr marL="0" marR="0" lvl="0" indent="0" algn="just" defTabSz="914400" rtl="0" eaLnBrk="0" fontAlgn="base" latinLnBrk="0" hangingPunct="0">
-              <a:lnSpc>
-                <a:spcPct val="150000"/>
-              </a:lnSpc>
-              <a:spcBef>
-                <a:spcPct val="0"/>
-              </a:spcBef>
-              <a:spcAft>
-                <a:spcPct val="0"/>
-              </a:spcAft>
-              <a:buClrTx/>
-              <a:buSzTx/>
-              <a:buFontTx/>
-              <a:buNone/>
-              <a:tabLst/>
-            </a:pPr>
-            <a:r>
-              <a:rPr kumimoji="0" lang="es-MX" altLang="es-MX" b="0" i="0" u="none" strike="noStrike" cap="none" normalizeH="0" baseline="0" dirty="0">
-                <a:ln>
-                  <a:noFill/>
-                </a:ln>
-                <a:solidFill>
-                  <a:srgbClr val="212121"/>
-                </a:solidFill>
-                <a:effectLst/>
-                <a:latin typeface="+mj-lt"/>
-              </a:rPr>
-              <a:t>Todas las operaciones se realizan elemento por elemento excepto la multiplicación matricial.</a:t>
-            </a:r>
-            <a:endParaRPr kumimoji="0" lang="es-MX" altLang="es-MX" b="0" i="0" u="none" strike="noStrike" cap="none" normalizeH="0" baseline="0" dirty="0">
-              <a:ln>
-                <a:noFill/>
-              </a:ln>
-              <a:solidFill>
-                <a:schemeClr val="tx1"/>
-              </a:solidFill>
-              <a:effectLst/>
-              <a:latin typeface="+mj-lt"/>
-            </a:endParaRPr>
-          </a:p>
-        </p:txBody>
-      </p:sp>
+      </p:pic>
     </p:spTree>
     <p:extLst>
       <p:ext uri="{BB962C8B-B14F-4D97-AF65-F5344CB8AC3E}">
